--- a/__MACOSX/Final_project_predict_Suicide_rate.pptx
+++ b/__MACOSX/Final_project_predict_Suicide_rate.pptx
@@ -309,7 +309,7 @@
           <a:p>
             <a:fld id="{276D79ED-3FA7-4EF8-964B-EB8BCFAB02F8}" type="datetimeFigureOut">
               <a:rPr lang="en-US" smtClean="0"/>
-              <a:t>12/28/2021</a:t>
+              <a:t>12/29/2021</a:t>
             </a:fld>
             <a:endParaRPr lang="en-US"/>
           </a:p>
@@ -517,7 +517,7 @@
           <a:p>
             <a:fld id="{B1FEE846-4CFC-49CA-B44C-0B989DC7A357}" type="datetimeFigureOut">
               <a:rPr lang="en-US" smtClean="0"/>
-              <a:t>12/28/2021</a:t>
+              <a:t>12/29/2021</a:t>
             </a:fld>
             <a:endParaRPr lang="en-US"/>
           </a:p>
@@ -715,7 +715,7 @@
           <a:p>
             <a:fld id="{B1FEE846-4CFC-49CA-B44C-0B989DC7A357}" type="datetimeFigureOut">
               <a:rPr lang="en-US" smtClean="0"/>
-              <a:t>12/28/2021</a:t>
+              <a:t>12/29/2021</a:t>
             </a:fld>
             <a:endParaRPr lang="en-US"/>
           </a:p>
@@ -990,7 +990,7 @@
           <a:p>
             <a:fld id="{B1FEE846-4CFC-49CA-B44C-0B989DC7A357}" type="datetimeFigureOut">
               <a:rPr lang="en-US" smtClean="0"/>
-              <a:t>12/28/2021</a:t>
+              <a:t>12/29/2021</a:t>
             </a:fld>
             <a:endParaRPr lang="en-US"/>
           </a:p>
@@ -1255,7 +1255,7 @@
           <a:p>
             <a:fld id="{B1FEE846-4CFC-49CA-B44C-0B989DC7A357}" type="datetimeFigureOut">
               <a:rPr lang="en-US" smtClean="0"/>
-              <a:t>12/28/2021</a:t>
+              <a:t>12/29/2021</a:t>
             </a:fld>
             <a:endParaRPr lang="en-US"/>
           </a:p>
@@ -1667,7 +1667,7 @@
           <a:p>
             <a:fld id="{B1FEE846-4CFC-49CA-B44C-0B989DC7A357}" type="datetimeFigureOut">
               <a:rPr lang="en-US" smtClean="0"/>
-              <a:t>12/28/2021</a:t>
+              <a:t>12/29/2021</a:t>
             </a:fld>
             <a:endParaRPr lang="en-US"/>
           </a:p>
@@ -1808,7 +1808,7 @@
           <a:p>
             <a:fld id="{B1FEE846-4CFC-49CA-B44C-0B989DC7A357}" type="datetimeFigureOut">
               <a:rPr lang="en-US" smtClean="0"/>
-              <a:t>12/28/2021</a:t>
+              <a:t>12/29/2021</a:t>
             </a:fld>
             <a:endParaRPr lang="en-US"/>
           </a:p>
@@ -1921,7 +1921,7 @@
           <a:p>
             <a:fld id="{B1FEE846-4CFC-49CA-B44C-0B989DC7A357}" type="datetimeFigureOut">
               <a:rPr lang="en-US" smtClean="0"/>
-              <a:t>12/28/2021</a:t>
+              <a:t>12/29/2021</a:t>
             </a:fld>
             <a:endParaRPr lang="en-US"/>
           </a:p>
@@ -2232,7 +2232,7 @@
           <a:p>
             <a:fld id="{B1FEE846-4CFC-49CA-B44C-0B989DC7A357}" type="datetimeFigureOut">
               <a:rPr lang="en-US" smtClean="0"/>
-              <a:t>12/28/2021</a:t>
+              <a:t>12/29/2021</a:t>
             </a:fld>
             <a:endParaRPr lang="en-US"/>
           </a:p>
@@ -2520,7 +2520,7 @@
           <a:p>
             <a:fld id="{B1FEE846-4CFC-49CA-B44C-0B989DC7A357}" type="datetimeFigureOut">
               <a:rPr lang="en-US" smtClean="0"/>
-              <a:t>12/28/2021</a:t>
+              <a:t>12/29/2021</a:t>
             </a:fld>
             <a:endParaRPr lang="en-US"/>
           </a:p>
@@ -2718,7 +2718,7 @@
           <a:p>
             <a:fld id="{B1FEE846-4CFC-49CA-B44C-0B989DC7A357}" type="datetimeFigureOut">
               <a:rPr lang="en-US" smtClean="0"/>
-              <a:t>12/28/2021</a:t>
+              <a:t>12/29/2021</a:t>
             </a:fld>
             <a:endParaRPr lang="en-US"/>
           </a:p>
@@ -2898,7 +2898,7 @@
           <a:p>
             <a:fld id="{276D79ED-3FA7-4EF8-964B-EB8BCFAB02F8}" type="datetimeFigureOut">
               <a:rPr lang="en-US" smtClean="0"/>
-              <a:t>12/28/2021</a:t>
+              <a:t>12/29/2021</a:t>
             </a:fld>
             <a:endParaRPr lang="en-US"/>
           </a:p>
@@ -3094,7 +3094,7 @@
           <a:p>
             <a:fld id="{B1FEE846-4CFC-49CA-B44C-0B989DC7A357}" type="datetimeFigureOut">
               <a:rPr lang="en-US" smtClean="0"/>
-              <a:t>12/28/2021</a:t>
+              <a:t>12/29/2021</a:t>
             </a:fld>
             <a:endParaRPr lang="en-US"/>
           </a:p>
@@ -3352,7 +3352,7 @@
           <a:p>
             <a:fld id="{276D79ED-3FA7-4EF8-964B-EB8BCFAB02F8}" type="datetimeFigureOut">
               <a:rPr lang="en-US" smtClean="0"/>
-              <a:t>12/28/2021</a:t>
+              <a:t>12/29/2021</a:t>
             </a:fld>
             <a:endParaRPr lang="en-US"/>
           </a:p>
@@ -3581,7 +3581,7 @@
           <a:p>
             <a:fld id="{276D79ED-3FA7-4EF8-964B-EB8BCFAB02F8}" type="datetimeFigureOut">
               <a:rPr lang="en-US" smtClean="0"/>
-              <a:t>12/28/2021</a:t>
+              <a:t>12/29/2021</a:t>
             </a:fld>
             <a:endParaRPr lang="en-US"/>
           </a:p>
@@ -3945,7 +3945,7 @@
           <a:p>
             <a:fld id="{276D79ED-3FA7-4EF8-964B-EB8BCFAB02F8}" type="datetimeFigureOut">
               <a:rPr lang="en-US" smtClean="0"/>
-              <a:t>12/28/2021</a:t>
+              <a:t>12/29/2021</a:t>
             </a:fld>
             <a:endParaRPr lang="en-US"/>
           </a:p>
@@ -4062,7 +4062,7 @@
           <a:p>
             <a:fld id="{276D79ED-3FA7-4EF8-964B-EB8BCFAB02F8}" type="datetimeFigureOut">
               <a:rPr lang="en-US" smtClean="0"/>
-              <a:t>12/28/2021</a:t>
+              <a:t>12/29/2021</a:t>
             </a:fld>
             <a:endParaRPr lang="en-US"/>
           </a:p>
@@ -4157,7 +4157,7 @@
           <a:p>
             <a:fld id="{276D79ED-3FA7-4EF8-964B-EB8BCFAB02F8}" type="datetimeFigureOut">
               <a:rPr lang="en-US" smtClean="0"/>
-              <a:t>12/28/2021</a:t>
+              <a:t>12/29/2021</a:t>
             </a:fld>
             <a:endParaRPr lang="en-US"/>
           </a:p>
@@ -4433,7 +4433,7 @@
           <a:p>
             <a:fld id="{276D79ED-3FA7-4EF8-964B-EB8BCFAB02F8}" type="datetimeFigureOut">
               <a:rPr lang="en-US" smtClean="0"/>
-              <a:t>12/28/2021</a:t>
+              <a:t>12/29/2021</a:t>
             </a:fld>
             <a:endParaRPr lang="en-US"/>
           </a:p>
@@ -4689,7 +4689,7 @@
           <a:p>
             <a:fld id="{276D79ED-3FA7-4EF8-964B-EB8BCFAB02F8}" type="datetimeFigureOut">
               <a:rPr lang="en-US" smtClean="0"/>
-              <a:t>12/28/2021</a:t>
+              <a:t>12/29/2021</a:t>
             </a:fld>
             <a:endParaRPr lang="en-US"/>
           </a:p>
@@ -4908,7 +4908,7 @@
             <a:fld id="{276D79ED-3FA7-4EF8-964B-EB8BCFAB02F8}" type="datetimeFigureOut">
               <a:rPr lang="en-US" smtClean="0"/>
               <a:pPr/>
-              <a:t>12/28/2021</a:t>
+              <a:t>12/29/2021</a:t>
             </a:fld>
             <a:endParaRPr lang="en-US"/>
           </a:p>
@@ -5581,7 +5581,7 @@
           <a:p>
             <a:fld id="{B1FEE846-4CFC-49CA-B44C-0B989DC7A357}" type="datetimeFigureOut">
               <a:rPr lang="en-US" smtClean="0"/>
-              <a:t>12/28/2021</a:t>
+              <a:t>12/29/2021</a:t>
             </a:fld>
             <a:endParaRPr lang="en-US"/>
           </a:p>
@@ -6142,51 +6142,45 @@
         </p:nvSpPr>
         <p:spPr>
           <a:xfrm>
-            <a:off x="755780" y="2601119"/>
-            <a:ext cx="9921551" cy="1655762"/>
+            <a:off x="838200" y="2555478"/>
+            <a:ext cx="9921551" cy="1181394"/>
           </a:xfrm>
         </p:spPr>
         <p:txBody>
           <a:bodyPr>
-            <a:normAutofit fontScale="92500" lnSpcReduction="20000"/>
+            <a:noAutofit/>
           </a:bodyPr>
           <a:lstStyle/>
           <a:p>
             <a:pPr algn="l"/>
-            <a:endParaRPr lang="en-US" dirty="0"/>
+            <a:endParaRPr lang="en-US" sz="2800" dirty="0"/>
           </a:p>
           <a:p>
             <a:pPr algn="l"/>
             <a:r>
-              <a:rPr lang="en-US" dirty="0">
+              <a:rPr lang="en-US" sz="2800" dirty="0">
                 <a:effectLst/>
                 <a:hlinkClick r:id="rId2"/>
               </a:rPr>
               <a:t>https://www.kaggle.com/kralmachine/data-visualization-of-suicide-rates</a:t>
             </a:r>
-            <a:endParaRPr lang="en-US" dirty="0">
+            <a:endParaRPr lang="en-US" sz="2800" dirty="0">
               <a:effectLst/>
             </a:endParaRPr>
           </a:p>
           <a:p>
             <a:pPr algn="l"/>
-            <a:endParaRPr lang="en-US" dirty="0">
-              <a:effectLst/>
-            </a:endParaRPr>
-          </a:p>
-          <a:p>
-            <a:pPr algn="l"/>
-            <a:r>
-              <a:rPr lang="en-US" dirty="0">
+            <a:r>
+              <a:rPr lang="en-US" sz="2800" dirty="0">
                 <a:hlinkClick r:id="rId3"/>
               </a:rPr>
               <a:t>https://www.kaggle.com/twinkle0705/mental-health-and-suicide-rates?select=Age-standardized+suicide+rates.csv</a:t>
             </a:r>
-            <a:endParaRPr lang="en-US" dirty="0"/>
+            <a:endParaRPr lang="en-US" sz="2800" dirty="0"/>
           </a:p>
           <a:p>
             <a:pPr algn="l"/>
-            <a:endParaRPr lang="en-US" dirty="0"/>
+            <a:endParaRPr lang="en-US" sz="2800" dirty="0"/>
           </a:p>
         </p:txBody>
       </p:sp>
@@ -6282,6 +6276,63 @@
           </a:prstGeom>
         </p:spPr>
       </p:pic>
+      <p:sp>
+        <p:nvSpPr>
+          <p:cNvPr id="6" name="Title 1">
+            <a:extLst>
+              <a:ext uri="{FF2B5EF4-FFF2-40B4-BE49-F238E27FC236}">
+                <a16:creationId xmlns:a16="http://schemas.microsoft.com/office/drawing/2014/main" id="{04BAC14C-1307-422E-B3F6-217A6CC5A54F}"/>
+              </a:ext>
+            </a:extLst>
+          </p:cNvPr>
+          <p:cNvSpPr txBox="1">
+            <a:spLocks/>
+          </p:cNvSpPr>
+          <p:nvPr/>
+        </p:nvSpPr>
+        <p:spPr>
+          <a:xfrm>
+            <a:off x="838200" y="5960468"/>
+            <a:ext cx="10515600" cy="1325563"/>
+          </a:xfrm>
+          <a:prstGeom prst="rect">
+            <a:avLst/>
+          </a:prstGeom>
+        </p:spPr>
+        <p:txBody>
+          <a:bodyPr vert="horz" lIns="91440" tIns="45720" rIns="91440" bIns="45720" rtlCol="0" anchor="t">
+            <a:normAutofit/>
+          </a:bodyPr>
+          <a:lstStyle>
+            <a:lvl1pPr algn="ctr" defTabSz="914400" rtl="0" eaLnBrk="1" latinLnBrk="0" hangingPunct="1">
+              <a:lnSpc>
+                <a:spcPct val="90000"/>
+              </a:lnSpc>
+              <a:spcBef>
+                <a:spcPct val="0"/>
+              </a:spcBef>
+              <a:buNone/>
+              <a:defRPr sz="6000" kern="1200">
+                <a:solidFill>
+                  <a:schemeClr val="tx1"/>
+                </a:solidFill>
+                <a:latin typeface="+mj-lt"/>
+                <a:ea typeface="+mj-ea"/>
+                <a:cs typeface="+mj-cs"/>
+              </a:defRPr>
+            </a:lvl1pPr>
+          </a:lstStyle>
+          <a:p>
+            <a:pPr algn="l"/>
+            <a:r>
+              <a:rPr lang="en-US" sz="2800" dirty="0">
+                <a:latin typeface="Trebuchet MS (Headings)"/>
+              </a:rPr>
+              <a:t>The data set get the Suicide report from WHO from 1985-2015</a:t>
+            </a:r>
+          </a:p>
+        </p:txBody>
+      </p:sp>
     </p:spTree>
     <p:extLst>
       <p:ext uri="{BB962C8B-B14F-4D97-AF65-F5344CB8AC3E}">
@@ -6687,6 +6738,12 @@
           <a:prstGeom prst="rect">
             <a:avLst/>
           </a:prstGeom>
+          <a:scene3d>
+            <a:camera prst="orthographicFront">
+              <a:rot lat="0" lon="10800000" rev="0"/>
+            </a:camera>
+            <a:lightRig rig="threePt" dir="t"/>
+          </a:scene3d>
         </p:spPr>
       </p:pic>
     </p:spTree>
